--- a/JinYoung/Project_Plan_ver_1.pptx
+++ b/JinYoung/Project_Plan_ver_1.pptx
@@ -198,6 +198,7 @@
           <a:p>
             <a:fld id="{7588F3B6-C85B-4318-BA1C-154DCB3494CE}" type="datetimeFigureOut">
               <a:rPr lang="ko-KR" altLang="en-US" smtClean="0"/>
+              <a:pPr/>
               <a:t>2021-07-09</a:t>
             </a:fld>
             <a:endParaRPr lang="ko-KR" altLang="en-US"/>
@@ -359,6 +360,7 @@
           <a:p>
             <a:fld id="{1E4C3085-8075-4B24-8FA4-A2532FD4E658}" type="slidenum">
               <a:rPr lang="ko-KR" altLang="en-US" smtClean="0"/>
+              <a:pPr/>
               <a:t>‹#›</a:t>
             </a:fld>
             <a:endParaRPr lang="ko-KR" altLang="en-US"/>
@@ -644,6 +646,7 @@
           <a:p>
             <a:fld id="{BA476745-849A-4A36-8A19-2C2B912610C5}" type="datetimeFigureOut">
               <a:rPr lang="ko-KR" altLang="en-US" smtClean="0"/>
+              <a:pPr/>
               <a:t>2021-07-09</a:t>
             </a:fld>
             <a:endParaRPr lang="ko-KR" altLang="en-US"/>
@@ -686,6 +689,7 @@
           <a:p>
             <a:fld id="{51759981-CCC6-4266-B029-6C12389D06E6}" type="slidenum">
               <a:rPr lang="ko-KR" altLang="en-US" smtClean="0"/>
+              <a:pPr/>
               <a:t>‹#›</a:t>
             </a:fld>
             <a:endParaRPr lang="ko-KR" altLang="en-US"/>
@@ -809,6 +813,7 @@
           <a:p>
             <a:fld id="{BA476745-849A-4A36-8A19-2C2B912610C5}" type="datetimeFigureOut">
               <a:rPr lang="ko-KR" altLang="en-US" smtClean="0"/>
+              <a:pPr/>
               <a:t>2021-07-09</a:t>
             </a:fld>
             <a:endParaRPr lang="ko-KR" altLang="en-US"/>
@@ -851,6 +856,7 @@
           <a:p>
             <a:fld id="{51759981-CCC6-4266-B029-6C12389D06E6}" type="slidenum">
               <a:rPr lang="ko-KR" altLang="en-US" smtClean="0"/>
+              <a:pPr/>
               <a:t>‹#›</a:t>
             </a:fld>
             <a:endParaRPr lang="ko-KR" altLang="en-US"/>
@@ -984,6 +990,7 @@
           <a:p>
             <a:fld id="{BA476745-849A-4A36-8A19-2C2B912610C5}" type="datetimeFigureOut">
               <a:rPr lang="ko-KR" altLang="en-US" smtClean="0"/>
+              <a:pPr/>
               <a:t>2021-07-09</a:t>
             </a:fld>
             <a:endParaRPr lang="ko-KR" altLang="en-US"/>
@@ -1026,6 +1033,7 @@
           <a:p>
             <a:fld id="{51759981-CCC6-4266-B029-6C12389D06E6}" type="slidenum">
               <a:rPr lang="ko-KR" altLang="en-US" smtClean="0"/>
+              <a:pPr/>
               <a:t>‹#›</a:t>
             </a:fld>
             <a:endParaRPr lang="ko-KR" altLang="en-US"/>
@@ -1149,6 +1157,7 @@
           <a:p>
             <a:fld id="{BA476745-849A-4A36-8A19-2C2B912610C5}" type="datetimeFigureOut">
               <a:rPr lang="ko-KR" altLang="en-US" smtClean="0"/>
+              <a:pPr/>
               <a:t>2021-07-09</a:t>
             </a:fld>
             <a:endParaRPr lang="ko-KR" altLang="en-US"/>
@@ -1191,6 +1200,7 @@
           <a:p>
             <a:fld id="{51759981-CCC6-4266-B029-6C12389D06E6}" type="slidenum">
               <a:rPr lang="ko-KR" altLang="en-US" smtClean="0"/>
+              <a:pPr/>
               <a:t>‹#›</a:t>
             </a:fld>
             <a:endParaRPr lang="ko-KR" altLang="en-US"/>
@@ -1390,6 +1400,7 @@
           <a:p>
             <a:fld id="{BA476745-849A-4A36-8A19-2C2B912610C5}" type="datetimeFigureOut">
               <a:rPr lang="ko-KR" altLang="en-US" smtClean="0"/>
+              <a:pPr/>
               <a:t>2021-07-09</a:t>
             </a:fld>
             <a:endParaRPr lang="ko-KR" altLang="en-US"/>
@@ -1432,6 +1443,7 @@
           <a:p>
             <a:fld id="{51759981-CCC6-4266-B029-6C12389D06E6}" type="slidenum">
               <a:rPr lang="ko-KR" altLang="en-US" smtClean="0"/>
+              <a:pPr/>
               <a:t>‹#›</a:t>
             </a:fld>
             <a:endParaRPr lang="ko-KR" altLang="en-US"/>
@@ -1673,6 +1685,7 @@
           <a:p>
             <a:fld id="{BA476745-849A-4A36-8A19-2C2B912610C5}" type="datetimeFigureOut">
               <a:rPr lang="ko-KR" altLang="en-US" smtClean="0"/>
+              <a:pPr/>
               <a:t>2021-07-09</a:t>
             </a:fld>
             <a:endParaRPr lang="ko-KR" altLang="en-US"/>
@@ -1715,6 +1728,7 @@
           <a:p>
             <a:fld id="{51759981-CCC6-4266-B029-6C12389D06E6}" type="slidenum">
               <a:rPr lang="ko-KR" altLang="en-US" smtClean="0"/>
+              <a:pPr/>
               <a:t>‹#›</a:t>
             </a:fld>
             <a:endParaRPr lang="ko-KR" altLang="en-US"/>
@@ -2090,6 +2104,7 @@
           <a:p>
             <a:fld id="{BA476745-849A-4A36-8A19-2C2B912610C5}" type="datetimeFigureOut">
               <a:rPr lang="ko-KR" altLang="en-US" smtClean="0"/>
+              <a:pPr/>
               <a:t>2021-07-09</a:t>
             </a:fld>
             <a:endParaRPr lang="ko-KR" altLang="en-US"/>
@@ -2132,6 +2147,7 @@
           <a:p>
             <a:fld id="{51759981-CCC6-4266-B029-6C12389D06E6}" type="slidenum">
               <a:rPr lang="ko-KR" altLang="en-US" smtClean="0"/>
+              <a:pPr/>
               <a:t>‹#›</a:t>
             </a:fld>
             <a:endParaRPr lang="ko-KR" altLang="en-US"/>
@@ -2203,6 +2219,7 @@
           <a:p>
             <a:fld id="{BA476745-849A-4A36-8A19-2C2B912610C5}" type="datetimeFigureOut">
               <a:rPr lang="ko-KR" altLang="en-US" smtClean="0"/>
+              <a:pPr/>
               <a:t>2021-07-09</a:t>
             </a:fld>
             <a:endParaRPr lang="ko-KR" altLang="en-US"/>
@@ -2245,6 +2262,7 @@
           <a:p>
             <a:fld id="{51759981-CCC6-4266-B029-6C12389D06E6}" type="slidenum">
               <a:rPr lang="ko-KR" altLang="en-US" smtClean="0"/>
+              <a:pPr/>
               <a:t>‹#›</a:t>
             </a:fld>
             <a:endParaRPr lang="ko-KR" altLang="en-US"/>
@@ -2293,6 +2311,7 @@
           <a:p>
             <a:fld id="{BA476745-849A-4A36-8A19-2C2B912610C5}" type="datetimeFigureOut">
               <a:rPr lang="ko-KR" altLang="en-US" smtClean="0"/>
+              <a:pPr/>
               <a:t>2021-07-09</a:t>
             </a:fld>
             <a:endParaRPr lang="ko-KR" altLang="en-US"/>
@@ -2335,6 +2354,7 @@
           <a:p>
             <a:fld id="{51759981-CCC6-4266-B029-6C12389D06E6}" type="slidenum">
               <a:rPr lang="ko-KR" altLang="en-US" smtClean="0"/>
+              <a:pPr/>
               <a:t>‹#›</a:t>
             </a:fld>
             <a:endParaRPr lang="ko-KR" altLang="en-US"/>
@@ -2565,6 +2585,7 @@
           <a:p>
             <a:fld id="{BA476745-849A-4A36-8A19-2C2B912610C5}" type="datetimeFigureOut">
               <a:rPr lang="ko-KR" altLang="en-US" smtClean="0"/>
+              <a:pPr/>
               <a:t>2021-07-09</a:t>
             </a:fld>
             <a:endParaRPr lang="ko-KR" altLang="en-US"/>
@@ -2607,6 +2628,7 @@
           <a:p>
             <a:fld id="{51759981-CCC6-4266-B029-6C12389D06E6}" type="slidenum">
               <a:rPr lang="ko-KR" altLang="en-US" smtClean="0"/>
+              <a:pPr/>
               <a:t>‹#›</a:t>
             </a:fld>
             <a:endParaRPr lang="ko-KR" altLang="en-US"/>
@@ -2813,6 +2835,7 @@
           <a:p>
             <a:fld id="{BA476745-849A-4A36-8A19-2C2B912610C5}" type="datetimeFigureOut">
               <a:rPr lang="ko-KR" altLang="en-US" smtClean="0"/>
+              <a:pPr/>
               <a:t>2021-07-09</a:t>
             </a:fld>
             <a:endParaRPr lang="ko-KR" altLang="en-US"/>
@@ -2855,6 +2878,7 @@
           <a:p>
             <a:fld id="{51759981-CCC6-4266-B029-6C12389D06E6}" type="slidenum">
               <a:rPr lang="ko-KR" altLang="en-US" smtClean="0"/>
+              <a:pPr/>
               <a:t>‹#›</a:t>
             </a:fld>
             <a:endParaRPr lang="ko-KR" altLang="en-US"/>
@@ -3039,6 +3063,7 @@
           <a:p>
             <a:fld id="{BA476745-849A-4A36-8A19-2C2B912610C5}" type="datetimeFigureOut">
               <a:rPr lang="ko-KR" altLang="en-US" smtClean="0"/>
+              <a:pPr/>
               <a:t>2021-07-09</a:t>
             </a:fld>
             <a:endParaRPr lang="ko-KR" altLang="en-US"/>
@@ -3117,6 +3142,7 @@
           <a:p>
             <a:fld id="{51759981-CCC6-4266-B029-6C12389D06E6}" type="slidenum">
               <a:rPr lang="ko-KR" altLang="en-US" smtClean="0"/>
+              <a:pPr/>
               <a:t>‹#›</a:t>
             </a:fld>
             <a:endParaRPr lang="ko-KR" altLang="en-US"/>
@@ -4790,6 +4816,17 @@
                     <a:p>
                       <a:pPr algn="ctr" latinLnBrk="1"/>
                       <a:r>
+                        <a:rPr lang="ko-KR" altLang="ko-KR" sz="2000" b="1" kern="1200" smtClean="0">
+                          <a:solidFill>
+                            <a:schemeClr val="dk1"/>
+                          </a:solidFill>
+                          <a:latin typeface="DX시인과나" pitchFamily="18" charset="-127"/>
+                          <a:ea typeface="DX시인과나" pitchFamily="18" charset="-127"/>
+                          <a:cs typeface="+mn-cs"/>
+                        </a:rPr>
+                        <a:t>버스 </a:t>
+                      </a:r>
+                      <a:r>
                         <a:rPr lang="ko-KR" altLang="ko-KR" sz="2000" b="1" kern="1200" dirty="0" smtClean="0">
                           <a:solidFill>
                             <a:schemeClr val="dk1"/>
@@ -4798,7 +4835,7 @@
                           <a:ea typeface="DX시인과나" pitchFamily="18" charset="-127"/>
                           <a:cs typeface="+mn-cs"/>
                         </a:rPr>
-                        <a:t>버스, 택시 이용자 수 데이터 전처리,분석,시각화</a:t>
+                        <a:t>이용자 수 데이터 전처리,분석,시각화</a:t>
                       </a:r>
                       <a:endParaRPr lang="ko-KR" altLang="en-US" sz="2000" b="1" dirty="0">
                         <a:latin typeface="DX시인과나" pitchFamily="18" charset="-127"/>

--- a/JinYoung/Project_Plan_ver_1.pptx
+++ b/JinYoung/Project_Plan_ver_1.pptx
@@ -5,7 +5,7 @@
     <p:sldMasterId id="2147483648" r:id="rId1"/>
   </p:sldMasterIdLst>
   <p:notesMasterIdLst>
-    <p:notesMasterId r:id="rId9"/>
+    <p:notesMasterId r:id="rId8"/>
   </p:notesMasterIdLst>
   <p:sldIdLst>
     <p:sldId id="256" r:id="rId2"/>
@@ -14,7 +14,6 @@
     <p:sldId id="259" r:id="rId5"/>
     <p:sldId id="260" r:id="rId6"/>
     <p:sldId id="261" r:id="rId7"/>
-    <p:sldId id="262" r:id="rId8"/>
   </p:sldIdLst>
   <p:sldSz cx="9144000" cy="6858000" type="screen4x3"/>
   <p:notesSz cx="6858000" cy="9144000"/>
@@ -5749,247 +5748,6 @@
 </p:sld>
 </file>
 
-<file path=ppt/slides/slide7.xml><?xml version="1.0" encoding="utf-8"?>
-<p:sld xmlns:a="http://schemas.openxmlformats.org/drawingml/2006/main" xmlns:r="http://schemas.openxmlformats.org/officeDocument/2006/relationships" xmlns:p="http://schemas.openxmlformats.org/presentationml/2006/main">
-  <p:cSld>
-    <p:spTree>
-      <p:nvGrpSpPr>
-        <p:cNvPr id="1" name=""/>
-        <p:cNvGrpSpPr/>
-        <p:nvPr/>
-      </p:nvGrpSpPr>
-      <p:grpSpPr>
-        <a:xfrm>
-          <a:off x="0" y="0"/>
-          <a:ext cx="0" cy="0"/>
-          <a:chOff x="0" y="0"/>
-          <a:chExt cx="0" cy="0"/>
-        </a:xfrm>
-      </p:grpSpPr>
-      <p:sp>
-        <p:nvSpPr>
-          <p:cNvPr id="2" name="제목 1"/>
-          <p:cNvSpPr>
-            <a:spLocks noGrp="1"/>
-          </p:cNvSpPr>
-          <p:nvPr>
-            <p:ph type="title"/>
-          </p:nvPr>
-        </p:nvSpPr>
-        <p:spPr/>
-        <p:txBody>
-          <a:bodyPr>
-            <a:noAutofit/>
-          </a:bodyPr>
-          <a:lstStyle/>
-          <a:p>
-            <a:r>
-              <a:rPr lang="ko-KR" altLang="en-US" sz="8000" b="1" dirty="0" err="1" smtClean="0">
-                <a:latin typeface="DX시인과나" pitchFamily="18" charset="-127"/>
-                <a:ea typeface="DX시인과나" pitchFamily="18" charset="-127"/>
-              </a:rPr>
-              <a:t>팀규칙</a:t>
-            </a:r>
-            <a:endParaRPr lang="ko-KR" altLang="en-US" sz="8000" b="1" dirty="0">
-              <a:latin typeface="DX시인과나" pitchFamily="18" charset="-127"/>
-              <a:ea typeface="DX시인과나" pitchFamily="18" charset="-127"/>
-            </a:endParaRPr>
-          </a:p>
-        </p:txBody>
-      </p:sp>
-      <p:sp>
-        <p:nvSpPr>
-          <p:cNvPr id="3" name="내용 개체 틀 2"/>
-          <p:cNvSpPr>
-            <a:spLocks noGrp="1"/>
-          </p:cNvSpPr>
-          <p:nvPr>
-            <p:ph idx="1"/>
-          </p:nvPr>
-        </p:nvSpPr>
-        <p:spPr>
-          <a:xfrm>
-            <a:off x="179512" y="2132856"/>
-            <a:ext cx="8784976" cy="3556992"/>
-          </a:xfrm>
-        </p:spPr>
-        <p:txBody>
-          <a:bodyPr/>
-          <a:lstStyle/>
-          <a:p>
-            <a:pPr marL="514350" lvl="0" indent="-514350">
-              <a:buAutoNum type="arabicPeriod"/>
-            </a:pPr>
-            <a:r>
-              <a:rPr lang="ko-KR" altLang="ko-KR" b="1" dirty="0" smtClean="0">
-                <a:latin typeface="DX시인과나" pitchFamily="18" charset="-127"/>
-                <a:ea typeface="DX시인과나" pitchFamily="18" charset="-127"/>
-              </a:rPr>
-              <a:t>줌 </a:t>
-            </a:r>
-            <a:r>
-              <a:rPr lang="ko-KR" altLang="ko-KR" b="1" dirty="0">
-                <a:latin typeface="DX시인과나" pitchFamily="18" charset="-127"/>
-                <a:ea typeface="DX시인과나" pitchFamily="18" charset="-127"/>
-              </a:rPr>
-              <a:t>회의시간에 </a:t>
-            </a:r>
-            <a:r>
-              <a:rPr lang="ko-KR" altLang="ko-KR" b="1" dirty="0" err="1">
-                <a:latin typeface="DX시인과나" pitchFamily="18" charset="-127"/>
-                <a:ea typeface="DX시인과나" pitchFamily="18" charset="-127"/>
-              </a:rPr>
-              <a:t>자리비우지</a:t>
-            </a:r>
-            <a:r>
-              <a:rPr lang="ko-KR" altLang="ko-KR" b="1" dirty="0">
-                <a:latin typeface="DX시인과나" pitchFamily="18" charset="-127"/>
-                <a:ea typeface="DX시인과나" pitchFamily="18" charset="-127"/>
-              </a:rPr>
-              <a:t> </a:t>
-            </a:r>
-            <a:r>
-              <a:rPr lang="ko-KR" altLang="ko-KR" b="1" dirty="0" smtClean="0">
-                <a:latin typeface="DX시인과나" pitchFamily="18" charset="-127"/>
-                <a:ea typeface="DX시인과나" pitchFamily="18" charset="-127"/>
-              </a:rPr>
-              <a:t>않기</a:t>
-            </a:r>
-            <a:endParaRPr lang="en-US" altLang="ko-KR" b="1" dirty="0" smtClean="0">
-              <a:latin typeface="DX시인과나" pitchFamily="18" charset="-127"/>
-              <a:ea typeface="DX시인과나" pitchFamily="18" charset="-127"/>
-            </a:endParaRPr>
-          </a:p>
-          <a:p>
-            <a:pPr marL="514350" lvl="0" indent="-514350">
-              <a:buAutoNum type="arabicPeriod"/>
-            </a:pPr>
-            <a:r>
-              <a:rPr lang="ko-KR" altLang="ko-KR" b="1" dirty="0">
-                <a:latin typeface="DX시인과나" pitchFamily="18" charset="-127"/>
-                <a:ea typeface="DX시인과나" pitchFamily="18" charset="-127"/>
-              </a:rPr>
-              <a:t>모르는 내용 꼭 물어보고 서로 </a:t>
-            </a:r>
-            <a:r>
-              <a:rPr lang="ko-KR" altLang="ko-KR" b="1" dirty="0" smtClean="0">
-                <a:latin typeface="DX시인과나" pitchFamily="18" charset="-127"/>
-                <a:ea typeface="DX시인과나" pitchFamily="18" charset="-127"/>
-              </a:rPr>
-              <a:t>도와주기</a:t>
-            </a:r>
-            <a:endParaRPr lang="en-US" altLang="ko-KR" b="1" dirty="0" smtClean="0">
-              <a:latin typeface="DX시인과나" pitchFamily="18" charset="-127"/>
-              <a:ea typeface="DX시인과나" pitchFamily="18" charset="-127"/>
-            </a:endParaRPr>
-          </a:p>
-          <a:p>
-            <a:pPr marL="514350" lvl="0" indent="-514350">
-              <a:buAutoNum type="arabicPeriod"/>
-            </a:pPr>
-            <a:r>
-              <a:rPr lang="ko-KR" altLang="ko-KR" b="1" dirty="0">
-                <a:latin typeface="DX시인과나" pitchFamily="18" charset="-127"/>
-                <a:ea typeface="DX시인과나" pitchFamily="18" charset="-127"/>
-              </a:rPr>
-              <a:t>자신이 한 거 </a:t>
-            </a:r>
-            <a:r>
-              <a:rPr lang="ko-KR" altLang="en-US" b="1" dirty="0" err="1" smtClean="0">
-                <a:latin typeface="DX시인과나" pitchFamily="18" charset="-127"/>
-                <a:ea typeface="DX시인과나" pitchFamily="18" charset="-127"/>
-              </a:rPr>
-              <a:t>깃허브에</a:t>
-            </a:r>
-            <a:r>
-              <a:rPr lang="ko-KR" altLang="en-US" b="1" dirty="0" smtClean="0">
-                <a:latin typeface="DX시인과나" pitchFamily="18" charset="-127"/>
-                <a:ea typeface="DX시인과나" pitchFamily="18" charset="-127"/>
-              </a:rPr>
-              <a:t> </a:t>
-            </a:r>
-            <a:r>
-              <a:rPr lang="ko-KR" altLang="ko-KR" b="1" dirty="0" smtClean="0">
-                <a:latin typeface="DX시인과나" pitchFamily="18" charset="-127"/>
-                <a:ea typeface="DX시인과나" pitchFamily="18" charset="-127"/>
-              </a:rPr>
-              <a:t>정기적으로 공유하기</a:t>
-            </a:r>
-            <a:endParaRPr lang="en-US" altLang="ko-KR" b="1" dirty="0" smtClean="0">
-              <a:latin typeface="DX시인과나" pitchFamily="18" charset="-127"/>
-              <a:ea typeface="DX시인과나" pitchFamily="18" charset="-127"/>
-            </a:endParaRPr>
-          </a:p>
-          <a:p>
-            <a:pPr marL="514350" lvl="0" indent="-514350">
-              <a:buAutoNum type="arabicPeriod"/>
-            </a:pPr>
-            <a:r>
-              <a:rPr lang="ko-KR" altLang="en-US" b="1" dirty="0" smtClean="0">
-                <a:latin typeface="DX시인과나" pitchFamily="18" charset="-127"/>
-                <a:ea typeface="DX시인과나" pitchFamily="18" charset="-127"/>
-              </a:rPr>
-              <a:t>할 수 </a:t>
-            </a:r>
-            <a:r>
-              <a:rPr lang="ko-KR" altLang="en-US" b="1" dirty="0" err="1" smtClean="0">
-                <a:latin typeface="DX시인과나" pitchFamily="18" charset="-127"/>
-                <a:ea typeface="DX시인과나" pitchFamily="18" charset="-127"/>
-              </a:rPr>
-              <a:t>있는만큼</a:t>
-            </a:r>
-            <a:r>
-              <a:rPr lang="ko-KR" altLang="en-US" b="1" dirty="0" smtClean="0">
-                <a:latin typeface="DX시인과나" pitchFamily="18" charset="-127"/>
-                <a:ea typeface="DX시인과나" pitchFamily="18" charset="-127"/>
-              </a:rPr>
-              <a:t> 차근차근 하기</a:t>
-            </a:r>
-            <a:endParaRPr lang="en-US" altLang="ko-KR" b="1" dirty="0" smtClean="0">
-              <a:latin typeface="DX시인과나" pitchFamily="18" charset="-127"/>
-              <a:ea typeface="DX시인과나" pitchFamily="18" charset="-127"/>
-            </a:endParaRPr>
-          </a:p>
-          <a:p>
-            <a:pPr marL="514350" lvl="0" indent="-514350">
-              <a:buAutoNum type="arabicPeriod"/>
-            </a:pPr>
-            <a:r>
-              <a:rPr lang="ko-KR" altLang="en-US" b="1" dirty="0" smtClean="0">
-                <a:latin typeface="DX시인과나" pitchFamily="18" charset="-127"/>
-                <a:ea typeface="DX시인과나" pitchFamily="18" charset="-127"/>
-              </a:rPr>
-              <a:t>상호간의 건설적이고 긍정적인 코멘트 자유롭게 교환하기</a:t>
-            </a:r>
-            <a:r>
-              <a:rPr lang="en-US" altLang="ko-KR" b="1" dirty="0" smtClean="0">
-                <a:latin typeface="DX시인과나" pitchFamily="18" charset="-127"/>
-                <a:ea typeface="DX시인과나" pitchFamily="18" charset="-127"/>
-              </a:rPr>
-              <a:t>, </a:t>
-            </a:r>
-            <a:r>
-              <a:rPr lang="ko-KR" altLang="en-US" b="1" dirty="0" smtClean="0">
-                <a:latin typeface="DX시인과나" pitchFamily="18" charset="-127"/>
-                <a:ea typeface="DX시인과나" pitchFamily="18" charset="-127"/>
-              </a:rPr>
-              <a:t>상처받지 않기</a:t>
-            </a:r>
-            <a:endParaRPr lang="ko-KR" altLang="ko-KR" b="1" dirty="0">
-              <a:latin typeface="DX시인과나" pitchFamily="18" charset="-127"/>
-              <a:ea typeface="DX시인과나" pitchFamily="18" charset="-127"/>
-            </a:endParaRPr>
-          </a:p>
-        </p:txBody>
-      </p:sp>
-    </p:spTree>
-  </p:cSld>
-  <p:clrMapOvr>
-    <a:masterClrMapping/>
-  </p:clrMapOvr>
-</p:sld>
-</file>
-
 <file path=ppt/theme/theme1.xml><?xml version="1.0" encoding="utf-8"?>
 <a:theme xmlns:a="http://schemas.openxmlformats.org/drawingml/2006/main" name="Office 테마">
   <a:themeElements>
